--- a/boer-lehel-msc-diplomaterv-prezentacio.pptx
+++ b/boer-lehel-msc-diplomaterv-prezentacio.pptx
@@ -38899,7 +38899,7 @@
         </p:blipFill>
         <p:spPr>
           <a:xfrm>
-            <a:off x="266700" y="2910840"/>
+            <a:off x="336369" y="3412135"/>
             <a:ext cx="7344591" cy="2866182"/>
           </a:xfrm>
           <a:prstGeom prst="rect">
@@ -38907,6 +38907,170 @@
           </a:prstGeom>
         </p:spPr>
       </p:pic>
+      <p:sp>
+        <p:nvSpPr>
+          <p:cNvPr id="7" name="Ellipszis buborék 21">
+            <a:extLst>
+              <a:ext uri="{FF2B5EF4-FFF2-40B4-BE49-F238E27FC236}">
+                <a16:creationId xmlns:a16="http://schemas.microsoft.com/office/drawing/2014/main" id="{5006B723-2874-426C-8FE9-E666BB6211C0}"/>
+              </a:ext>
+            </a:extLst>
+          </p:cNvPr>
+          <p:cNvSpPr/>
+          <p:nvPr/>
+        </p:nvSpPr>
+        <p:spPr>
+          <a:xfrm>
+            <a:off x="4902926" y="1593668"/>
+            <a:ext cx="4154374" cy="1558835"/>
+          </a:xfrm>
+          <a:prstGeom prst="wedgeEllipseCallout">
+            <a:avLst>
+              <a:gd name="adj1" fmla="val -45161"/>
+              <a:gd name="adj2" fmla="val 66549"/>
+            </a:avLst>
+          </a:prstGeom>
+          <a:noFill/>
+          <a:ln w="38100">
+            <a:solidFill>
+              <a:schemeClr val="accent1"/>
+            </a:solidFill>
+          </a:ln>
+          <a:effectLst>
+            <a:outerShdw blurRad="50800" dist="38100" dir="5400000" algn="t" rotWithShape="0">
+              <a:prstClr val="black">
+                <a:alpha val="40000"/>
+              </a:prstClr>
+            </a:outerShdw>
+          </a:effectLst>
+        </p:spPr>
+        <p:style>
+          <a:lnRef idx="2">
+            <a:schemeClr val="accent4">
+              <a:shade val="50000"/>
+            </a:schemeClr>
+          </a:lnRef>
+          <a:fillRef idx="1">
+            <a:schemeClr val="accent4"/>
+          </a:fillRef>
+          <a:effectRef idx="0">
+            <a:schemeClr val="accent4"/>
+          </a:effectRef>
+          <a:fontRef idx="minor">
+            <a:schemeClr val="lt1"/>
+          </a:fontRef>
+        </p:style>
+        <p:txBody>
+          <a:bodyPr rot="0" spcFirstLastPara="0" vertOverflow="overflow" horzOverflow="overflow" vert="horz" wrap="square" lIns="91440" tIns="45720" rIns="91440" bIns="45720" numCol="1" spcCol="0" rtlCol="0" fromWordArt="0" anchor="ctr" anchorCtr="0" forceAA="0" compatLnSpc="1">
+            <a:prstTxWarp prst="textNoShape">
+              <a:avLst/>
+            </a:prstTxWarp>
+            <a:noAutofit/>
+          </a:bodyPr>
+          <a:lstStyle/>
+          <a:p>
+            <a:pPr algn="ctr"/>
+            <a:endParaRPr lang="hu-HU" sz="2400" dirty="0" err="1">
+              <a:solidFill>
+                <a:schemeClr val="tx2"/>
+              </a:solidFill>
+            </a:endParaRPr>
+          </a:p>
+        </p:txBody>
+      </p:sp>
+      <p:sp>
+        <p:nvSpPr>
+          <p:cNvPr id="2" name="TextBox 1">
+            <a:extLst>
+              <a:ext uri="{FF2B5EF4-FFF2-40B4-BE49-F238E27FC236}">
+                <a16:creationId xmlns:a16="http://schemas.microsoft.com/office/drawing/2014/main" id="{67ADE9A9-DC11-4C05-99E5-440197EBFD95}"/>
+              </a:ext>
+            </a:extLst>
+          </p:cNvPr>
+          <p:cNvSpPr txBox="1"/>
+          <p:nvPr/>
+        </p:nvSpPr>
+        <p:spPr>
+          <a:xfrm>
+            <a:off x="5295900" y="1897324"/>
+            <a:ext cx="3618811" cy="923330"/>
+          </a:xfrm>
+          <a:prstGeom prst="rect">
+            <a:avLst/>
+          </a:prstGeom>
+          <a:noFill/>
+        </p:spPr>
+        <p:txBody>
+          <a:bodyPr wrap="none" rtlCol="0">
+            <a:spAutoFit/>
+          </a:bodyPr>
+          <a:lstStyle/>
+          <a:p>
+            <a:r>
+              <a:rPr lang="en-US" dirty="0"/>
+              <a:t>Mandarin </a:t>
+            </a:r>
+            <a:r>
+              <a:rPr lang="en-US" dirty="0" err="1"/>
+              <a:t>nyelv</a:t>
+            </a:r>
+            <a:r>
+              <a:rPr lang="hu-HU" dirty="0"/>
+              <a:t>ű</a:t>
+            </a:r>
+            <a:r>
+              <a:rPr lang="en-US" dirty="0"/>
+              <a:t> </a:t>
+            </a:r>
+            <a:r>
+              <a:rPr lang="en-US" dirty="0" err="1"/>
+              <a:t>független</a:t>
+            </a:r>
+            <a:endParaRPr lang="en-US" dirty="0"/>
+          </a:p>
+          <a:p>
+            <a:r>
+              <a:rPr lang="en-US" dirty="0"/>
+              <a:t> </a:t>
+            </a:r>
+            <a:r>
+              <a:rPr lang="en-US" dirty="0" err="1"/>
+              <a:t>beszélőazonosítás</a:t>
+            </a:r>
+            <a:r>
+              <a:rPr lang="en-US" dirty="0"/>
+              <a:t> </a:t>
+            </a:r>
+            <a:r>
+              <a:rPr lang="en-US" dirty="0" err="1"/>
+              <a:t>eredményei</a:t>
+            </a:r>
+            <a:endParaRPr lang="en-US" dirty="0"/>
+          </a:p>
+          <a:p>
+            <a:r>
+              <a:rPr lang="en-US" dirty="0"/>
+              <a:t>Train50k </a:t>
+            </a:r>
+            <a:r>
+              <a:rPr lang="en-US" dirty="0" err="1"/>
+              <a:t>és</a:t>
+            </a:r>
+            <a:r>
+              <a:rPr lang="en-US" dirty="0"/>
+              <a:t> Eva200 </a:t>
+            </a:r>
+            <a:r>
+              <a:rPr lang="en-US" dirty="0" err="1"/>
+              <a:t>adathalmazokon</a:t>
+            </a:r>
+            <a:r>
+              <a:rPr lang="en-US" dirty="0"/>
+              <a:t>.</a:t>
+            </a:r>
+          </a:p>
+        </p:txBody>
+      </p:sp>
     </p:spTree>
     <p:extLst>
       <p:ext uri="{BB962C8B-B14F-4D97-AF65-F5344CB8AC3E}">
@@ -42533,8 +42697,8 @@
           </a:p>
         </p:txBody>
       </p:sp>
-      <mc:AlternateContent xmlns:mc="http://schemas.openxmlformats.org/markup-compatibility/2006">
-        <mc:Choice xmlns:a14="http://schemas.microsoft.com/office/drawing/2010/main" Requires="a14">
+      <mc:AlternateContent xmlns:mc="http://schemas.openxmlformats.org/markup-compatibility/2006" xmlns:a14="http://schemas.microsoft.com/office/drawing/2010/main">
+        <mc:Choice Requires="a14">
           <p:sp>
             <p:nvSpPr>
               <p:cNvPr id="49" name="Szövegdoboz 65">
@@ -42617,7 +42781,7 @@
             </p:txBody>
           </p:sp>
         </mc:Choice>
-        <mc:Fallback>
+        <mc:Fallback xmlns="">
           <p:sp>
             <p:nvSpPr>
               <p:cNvPr id="49" name="Szövegdoboz 65">
